--- a/resources/azure-parts-list.pptx
+++ b/resources/azure-parts-list.pptx
@@ -6,6 +6,8 @@
   </p:sldMasterIdLst>
   <p:sldIdLst>
     <p:sldId id="256" r:id="rId2"/>
+    <p:sldId id="257" r:id="rId3"/>
+    <p:sldId id="258" r:id="rId4"/>
   </p:sldIdLst>
   <p:sldSz cx="12192000" cy="6858000"/>
   <p:notesSz cx="6858000" cy="9144000"/>
@@ -104,6 +106,11 @@
       </a:defRPr>
     </a:lvl9pPr>
   </p:defaultTextStyle>
+  <p:extLst>
+    <p:ext uri="{EFAFB233-063F-42B5-8137-9DF3F51BA10A}">
+      <p15:sldGuideLst xmlns:p15="http://schemas.microsoft.com/office/powerpoint/2012/main"/>
+    </p:ext>
+  </p:extLst>
 </p:presentation>
 </file>
 
@@ -256,7 +263,7 @@
           <a:p>
             <a:fld id="{276B97E7-2C5B-4552-93B5-17D239F5E9CC}" type="datetimeFigureOut">
               <a:rPr lang="en-AU" smtClean="0"/>
-              <a:t>28/01/2020</a:t>
+              <a:t>17/02/2020</a:t>
             </a:fld>
             <a:endParaRPr lang="en-AU"/>
           </a:p>
@@ -456,7 +463,7 @@
           <a:p>
             <a:fld id="{276B97E7-2C5B-4552-93B5-17D239F5E9CC}" type="datetimeFigureOut">
               <a:rPr lang="en-AU" smtClean="0"/>
-              <a:t>28/01/2020</a:t>
+              <a:t>17/02/2020</a:t>
             </a:fld>
             <a:endParaRPr lang="en-AU"/>
           </a:p>
@@ -666,7 +673,7 @@
           <a:p>
             <a:fld id="{276B97E7-2C5B-4552-93B5-17D239F5E9CC}" type="datetimeFigureOut">
               <a:rPr lang="en-AU" smtClean="0"/>
-              <a:t>28/01/2020</a:t>
+              <a:t>17/02/2020</a:t>
             </a:fld>
             <a:endParaRPr lang="en-AU"/>
           </a:p>
@@ -866,7 +873,7 @@
           <a:p>
             <a:fld id="{276B97E7-2C5B-4552-93B5-17D239F5E9CC}" type="datetimeFigureOut">
               <a:rPr lang="en-AU" smtClean="0"/>
-              <a:t>28/01/2020</a:t>
+              <a:t>17/02/2020</a:t>
             </a:fld>
             <a:endParaRPr lang="en-AU"/>
           </a:p>
@@ -1142,7 +1149,7 @@
           <a:p>
             <a:fld id="{276B97E7-2C5B-4552-93B5-17D239F5E9CC}" type="datetimeFigureOut">
               <a:rPr lang="en-AU" smtClean="0"/>
-              <a:t>28/01/2020</a:t>
+              <a:t>17/02/2020</a:t>
             </a:fld>
             <a:endParaRPr lang="en-AU"/>
           </a:p>
@@ -1410,7 +1417,7 @@
           <a:p>
             <a:fld id="{276B97E7-2C5B-4552-93B5-17D239F5E9CC}" type="datetimeFigureOut">
               <a:rPr lang="en-AU" smtClean="0"/>
-              <a:t>28/01/2020</a:t>
+              <a:t>17/02/2020</a:t>
             </a:fld>
             <a:endParaRPr lang="en-AU"/>
           </a:p>
@@ -1825,7 +1832,7 @@
           <a:p>
             <a:fld id="{276B97E7-2C5B-4552-93B5-17D239F5E9CC}" type="datetimeFigureOut">
               <a:rPr lang="en-AU" smtClean="0"/>
-              <a:t>28/01/2020</a:t>
+              <a:t>17/02/2020</a:t>
             </a:fld>
             <a:endParaRPr lang="en-AU"/>
           </a:p>
@@ -1967,7 +1974,7 @@
           <a:p>
             <a:fld id="{276B97E7-2C5B-4552-93B5-17D239F5E9CC}" type="datetimeFigureOut">
               <a:rPr lang="en-AU" smtClean="0"/>
-              <a:t>28/01/2020</a:t>
+              <a:t>17/02/2020</a:t>
             </a:fld>
             <a:endParaRPr lang="en-AU"/>
           </a:p>
@@ -2080,7 +2087,7 @@
           <a:p>
             <a:fld id="{276B97E7-2C5B-4552-93B5-17D239F5E9CC}" type="datetimeFigureOut">
               <a:rPr lang="en-AU" smtClean="0"/>
-              <a:t>28/01/2020</a:t>
+              <a:t>17/02/2020</a:t>
             </a:fld>
             <a:endParaRPr lang="en-AU"/>
           </a:p>
@@ -2393,7 +2400,7 @@
           <a:p>
             <a:fld id="{276B97E7-2C5B-4552-93B5-17D239F5E9CC}" type="datetimeFigureOut">
               <a:rPr lang="en-AU" smtClean="0"/>
-              <a:t>28/01/2020</a:t>
+              <a:t>17/02/2020</a:t>
             </a:fld>
             <a:endParaRPr lang="en-AU"/>
           </a:p>
@@ -2682,7 +2689,7 @@
           <a:p>
             <a:fld id="{276B97E7-2C5B-4552-93B5-17D239F5E9CC}" type="datetimeFigureOut">
               <a:rPr lang="en-AU" smtClean="0"/>
-              <a:t>28/01/2020</a:t>
+              <a:t>17/02/2020</a:t>
             </a:fld>
             <a:endParaRPr lang="en-AU"/>
           </a:p>
@@ -2925,7 +2932,7 @@
           <a:p>
             <a:fld id="{276B97E7-2C5B-4552-93B5-17D239F5E9CC}" type="datetimeFigureOut">
               <a:rPr lang="en-AU" smtClean="0"/>
-              <a:t>28/01/2020</a:t>
+              <a:t>17/02/2020</a:t>
             </a:fld>
             <a:endParaRPr lang="en-AU"/>
           </a:p>
@@ -3389,6 +3396,396 @@
       </p:pic>
       <p:pic>
         <p:nvPicPr>
+          <p:cNvPr id="1028" name="Picture 4">
+            <a:extLst>
+              <a:ext uri="{FF2B5EF4-FFF2-40B4-BE49-F238E27FC236}">
+                <a16:creationId xmlns:a16="http://schemas.microsoft.com/office/drawing/2014/main" id="{106E4D32-9EAB-4942-B3FD-3B06DF250709}"/>
+              </a:ext>
+            </a:extLst>
+          </p:cNvPr>
+          <p:cNvPicPr>
+            <a:picLocks noChangeAspect="1" noChangeArrowheads="1"/>
+          </p:cNvPicPr>
+          <p:nvPr/>
+        </p:nvPicPr>
+        <p:blipFill rotWithShape="1">
+          <a:blip r:embed="rId3">
+            <a:extLst>
+              <a:ext uri="{28A0092B-C50C-407E-A947-70E740481C1C}">
+                <a14:useLocalDpi xmlns:a14="http://schemas.microsoft.com/office/drawing/2010/main" val="0"/>
+              </a:ext>
+            </a:extLst>
+          </a:blip>
+          <a:srcRect l="4447" t="5179" r="11456" b="4081"/>
+          <a:stretch/>
+        </p:blipFill>
+        <p:spPr bwMode="auto">
+          <a:xfrm>
+            <a:off x="4348741" y="273325"/>
+            <a:ext cx="3635504" cy="2941984"/>
+          </a:xfrm>
+          <a:prstGeom prst="rect">
+            <a:avLst/>
+          </a:prstGeom>
+          <a:noFill/>
+          <a:extLst>
+            <a:ext uri="{909E8E84-426E-40DD-AFC4-6F175D3DCCD1}">
+              <a14:hiddenFill xmlns:a14="http://schemas.microsoft.com/office/drawing/2010/main">
+                <a:solidFill>
+                  <a:srgbClr val="FFFFFF"/>
+                </a:solidFill>
+              </a14:hiddenFill>
+            </a:ext>
+          </a:extLst>
+        </p:spPr>
+      </p:pic>
+      <p:pic>
+        <p:nvPicPr>
+          <p:cNvPr id="1032" name="Picture 8">
+            <a:extLst>
+              <a:ext uri="{FF2B5EF4-FFF2-40B4-BE49-F238E27FC236}">
+                <a16:creationId xmlns:a16="http://schemas.microsoft.com/office/drawing/2014/main" id="{8345738F-3ACC-4BF0-BE5B-D91167A26037}"/>
+              </a:ext>
+            </a:extLst>
+          </p:cNvPr>
+          <p:cNvPicPr>
+            <a:picLocks noChangeAspect="1" noChangeArrowheads="1"/>
+          </p:cNvPicPr>
+          <p:nvPr/>
+        </p:nvPicPr>
+        <p:blipFill rotWithShape="1">
+          <a:blip r:embed="rId4">
+            <a:extLst>
+              <a:ext uri="{28A0092B-C50C-407E-A947-70E740481C1C}">
+                <a14:useLocalDpi xmlns:a14="http://schemas.microsoft.com/office/drawing/2010/main" val="0"/>
+              </a:ext>
+            </a:extLst>
+          </a:blip>
+          <a:srcRect l="34774" t="11493" r="32937" b="12808"/>
+          <a:stretch/>
+        </p:blipFill>
+        <p:spPr bwMode="auto">
+          <a:xfrm rot="5400000">
+            <a:off x="5128591" y="3026465"/>
+            <a:ext cx="1630017" cy="2862469"/>
+          </a:xfrm>
+          <a:prstGeom prst="rect">
+            <a:avLst/>
+          </a:prstGeom>
+          <a:noFill/>
+          <a:extLst>
+            <a:ext uri="{909E8E84-426E-40DD-AFC4-6F175D3DCCD1}">
+              <a14:hiddenFill xmlns:a14="http://schemas.microsoft.com/office/drawing/2010/main">
+                <a:solidFill>
+                  <a:srgbClr val="FFFFFF"/>
+                </a:solidFill>
+              </a14:hiddenFill>
+            </a:ext>
+          </a:extLst>
+        </p:spPr>
+      </p:pic>
+      <p:sp>
+        <p:nvSpPr>
+          <p:cNvPr id="5" name="TextBox 4">
+            <a:extLst>
+              <a:ext uri="{FF2B5EF4-FFF2-40B4-BE49-F238E27FC236}">
+                <a16:creationId xmlns:a16="http://schemas.microsoft.com/office/drawing/2014/main" id="{B52D209A-DF27-44E8-807A-945750BC0365}"/>
+              </a:ext>
+            </a:extLst>
+          </p:cNvPr>
+          <p:cNvSpPr txBox="1"/>
+          <p:nvPr/>
+        </p:nvSpPr>
+        <p:spPr>
+          <a:xfrm>
+            <a:off x="4591878" y="5252037"/>
+            <a:ext cx="1411733" cy="369332"/>
+          </a:xfrm>
+          <a:prstGeom prst="rect">
+            <a:avLst/>
+          </a:prstGeom>
+          <a:noFill/>
+        </p:spPr>
+        <p:txBody>
+          <a:bodyPr wrap="none" rtlCol="0">
+            <a:spAutoFit/>
+          </a:bodyPr>
+          <a:lstStyle/>
+          <a:p>
+            <a:r>
+              <a:rPr lang="en-AU" b="1" dirty="0"/>
+              <a:t>Grove SHT31</a:t>
+            </a:r>
+          </a:p>
+        </p:txBody>
+      </p:sp>
+      <p:sp>
+        <p:nvSpPr>
+          <p:cNvPr id="6" name="TextBox 5">
+            <a:extLst>
+              <a:ext uri="{FF2B5EF4-FFF2-40B4-BE49-F238E27FC236}">
+                <a16:creationId xmlns:a16="http://schemas.microsoft.com/office/drawing/2014/main" id="{77147CDE-EE82-402C-B2FE-7BDB82DFBD1C}"/>
+              </a:ext>
+            </a:extLst>
+          </p:cNvPr>
+          <p:cNvSpPr txBox="1"/>
+          <p:nvPr/>
+        </p:nvSpPr>
+        <p:spPr>
+          <a:xfrm>
+            <a:off x="6622801" y="2128524"/>
+            <a:ext cx="1504066" cy="646331"/>
+          </a:xfrm>
+          <a:prstGeom prst="rect">
+            <a:avLst/>
+          </a:prstGeom>
+          <a:noFill/>
+        </p:spPr>
+        <p:txBody>
+          <a:bodyPr wrap="none" rtlCol="0">
+            <a:spAutoFit/>
+          </a:bodyPr>
+          <a:lstStyle/>
+          <a:p>
+            <a:r>
+              <a:rPr lang="en-AU" b="1" dirty="0"/>
+              <a:t>Azure Sphere </a:t>
+            </a:r>
+          </a:p>
+          <a:p>
+            <a:r>
+              <a:rPr lang="en-AU" b="1" dirty="0"/>
+              <a:t>Grove Shield</a:t>
+            </a:r>
+          </a:p>
+        </p:txBody>
+      </p:sp>
+      <p:sp>
+        <p:nvSpPr>
+          <p:cNvPr id="7" name="TextBox 6">
+            <a:extLst>
+              <a:ext uri="{FF2B5EF4-FFF2-40B4-BE49-F238E27FC236}">
+                <a16:creationId xmlns:a16="http://schemas.microsoft.com/office/drawing/2014/main" id="{894F1791-9464-4219-A58D-8A9356C71033}"/>
+              </a:ext>
+            </a:extLst>
+          </p:cNvPr>
+          <p:cNvSpPr txBox="1"/>
+          <p:nvPr/>
+        </p:nvSpPr>
+        <p:spPr>
+          <a:xfrm>
+            <a:off x="9452996" y="5252037"/>
+            <a:ext cx="1325619" cy="369332"/>
+          </a:xfrm>
+          <a:prstGeom prst="rect">
+            <a:avLst/>
+          </a:prstGeom>
+          <a:noFill/>
+        </p:spPr>
+        <p:txBody>
+          <a:bodyPr wrap="none" rtlCol="0">
+            <a:spAutoFit/>
+          </a:bodyPr>
+          <a:lstStyle/>
+          <a:p>
+            <a:r>
+              <a:rPr lang="en-AU" b="1" dirty="0"/>
+              <a:t>Grove Relay</a:t>
+            </a:r>
+          </a:p>
+        </p:txBody>
+      </p:sp>
+    </p:spTree>
+    <p:extLst>
+      <p:ext uri="{BB962C8B-B14F-4D97-AF65-F5344CB8AC3E}">
+        <p14:creationId xmlns:p14="http://schemas.microsoft.com/office/powerpoint/2010/main" val="4219541186"/>
+      </p:ext>
+    </p:extLst>
+  </p:cSld>
+  <p:clrMapOvr>
+    <a:masterClrMapping/>
+  </p:clrMapOvr>
+</p:sld>
+</file>
+
+<file path=ppt/slides/slide2.xml><?xml version="1.0" encoding="utf-8"?>
+<p:sld xmlns:a="http://schemas.openxmlformats.org/drawingml/2006/main" xmlns:r="http://schemas.openxmlformats.org/officeDocument/2006/relationships" xmlns:p="http://schemas.openxmlformats.org/presentationml/2006/main">
+  <p:cSld>
+    <p:spTree>
+      <p:nvGrpSpPr>
+        <p:cNvPr id="1" name=""/>
+        <p:cNvGrpSpPr/>
+        <p:nvPr/>
+      </p:nvGrpSpPr>
+      <p:grpSpPr>
+        <a:xfrm>
+          <a:off x="0" y="0"/>
+          <a:ext cx="0" cy="0"/>
+          <a:chOff x="0" y="0"/>
+          <a:chExt cx="0" cy="0"/>
+        </a:xfrm>
+      </p:grpSpPr>
+      <p:pic>
+        <p:nvPicPr>
+          <p:cNvPr id="1026" name="Picture 2">
+            <a:extLst>
+              <a:ext uri="{FF2B5EF4-FFF2-40B4-BE49-F238E27FC236}">
+                <a16:creationId xmlns:a16="http://schemas.microsoft.com/office/drawing/2014/main" id="{05094337-2E8E-44FE-9BDE-32C5DCD38B77}"/>
+              </a:ext>
+            </a:extLst>
+          </p:cNvPr>
+          <p:cNvPicPr>
+            <a:picLocks noChangeAspect="1" noChangeArrowheads="1"/>
+          </p:cNvPicPr>
+          <p:nvPr/>
+        </p:nvPicPr>
+        <p:blipFill rotWithShape="1">
+          <a:blip r:embed="rId2">
+            <a:extLst>
+              <a:ext uri="{28A0092B-C50C-407E-A947-70E740481C1C}">
+                <a14:useLocalDpi xmlns:a14="http://schemas.microsoft.com/office/drawing/2010/main" val="0"/>
+              </a:ext>
+            </a:extLst>
+          </a:blip>
+          <a:srcRect l="5345" t="14638" r="4927" b="14928"/>
+          <a:stretch/>
+        </p:blipFill>
+        <p:spPr bwMode="auto">
+          <a:xfrm>
+            <a:off x="634779" y="736445"/>
+            <a:ext cx="5126107" cy="3017914"/>
+          </a:xfrm>
+          <a:prstGeom prst="rect">
+            <a:avLst/>
+          </a:prstGeom>
+          <a:noFill/>
+          <a:extLst>
+            <a:ext uri="{909E8E84-426E-40DD-AFC4-6F175D3DCCD1}">
+              <a14:hiddenFill xmlns:a14="http://schemas.microsoft.com/office/drawing/2010/main">
+                <a:solidFill>
+                  <a:srgbClr val="FFFFFF"/>
+                </a:solidFill>
+              </a14:hiddenFill>
+            </a:ext>
+          </a:extLst>
+        </p:spPr>
+      </p:pic>
+      <p:sp>
+        <p:nvSpPr>
+          <p:cNvPr id="4" name="TextBox 3">
+            <a:extLst>
+              <a:ext uri="{FF2B5EF4-FFF2-40B4-BE49-F238E27FC236}">
+                <a16:creationId xmlns:a16="http://schemas.microsoft.com/office/drawing/2014/main" id="{67831991-E63F-4057-B1B1-064ED94B7416}"/>
+              </a:ext>
+            </a:extLst>
+          </p:cNvPr>
+          <p:cNvSpPr txBox="1"/>
+          <p:nvPr/>
+        </p:nvSpPr>
+        <p:spPr>
+          <a:xfrm>
+            <a:off x="1484996" y="3754359"/>
+            <a:ext cx="2751202" cy="369332"/>
+          </a:xfrm>
+          <a:prstGeom prst="rect">
+            <a:avLst/>
+          </a:prstGeom>
+          <a:noFill/>
+        </p:spPr>
+        <p:txBody>
+          <a:bodyPr wrap="none" rtlCol="0">
+            <a:spAutoFit/>
+          </a:bodyPr>
+          <a:lstStyle/>
+          <a:p>
+            <a:r>
+              <a:rPr lang="en-AU" b="1" dirty="0" err="1"/>
+              <a:t>Seeed</a:t>
+            </a:r>
+            <a:r>
+              <a:rPr lang="en-AU" b="1" dirty="0"/>
+              <a:t> Studio Azure Sphere</a:t>
+            </a:r>
+          </a:p>
+        </p:txBody>
+      </p:sp>
+    </p:spTree>
+    <p:extLst>
+      <p:ext uri="{BB962C8B-B14F-4D97-AF65-F5344CB8AC3E}">
+        <p14:creationId xmlns:p14="http://schemas.microsoft.com/office/powerpoint/2010/main" val="4016816859"/>
+      </p:ext>
+    </p:extLst>
+  </p:cSld>
+  <p:clrMapOvr>
+    <a:masterClrMapping/>
+  </p:clrMapOvr>
+</p:sld>
+</file>
+
+<file path=ppt/slides/slide3.xml><?xml version="1.0" encoding="utf-8"?>
+<p:sld xmlns:a="http://schemas.openxmlformats.org/drawingml/2006/main" xmlns:r="http://schemas.openxmlformats.org/officeDocument/2006/relationships" xmlns:p="http://schemas.openxmlformats.org/presentationml/2006/main">
+  <p:cSld>
+    <p:spTree>
+      <p:nvGrpSpPr>
+        <p:cNvPr id="1" name=""/>
+        <p:cNvGrpSpPr/>
+        <p:nvPr/>
+      </p:nvGrpSpPr>
+      <p:grpSpPr>
+        <a:xfrm>
+          <a:off x="0" y="0"/>
+          <a:ext cx="0" cy="0"/>
+          <a:chOff x="0" y="0"/>
+          <a:chExt cx="0" cy="0"/>
+        </a:xfrm>
+      </p:grpSpPr>
+      <p:pic>
+        <p:nvPicPr>
+          <p:cNvPr id="1030" name="Picture 6">
+            <a:extLst>
+              <a:ext uri="{FF2B5EF4-FFF2-40B4-BE49-F238E27FC236}">
+                <a16:creationId xmlns:a16="http://schemas.microsoft.com/office/drawing/2014/main" id="{930F6951-6D1C-4D1B-AAED-EF12945F4295}"/>
+              </a:ext>
+            </a:extLst>
+          </p:cNvPr>
+          <p:cNvPicPr>
+            <a:picLocks noChangeAspect="1" noChangeArrowheads="1"/>
+          </p:cNvPicPr>
+          <p:nvPr/>
+        </p:nvPicPr>
+        <p:blipFill rotWithShape="1">
+          <a:blip r:embed="rId2">
+            <a:extLst>
+              <a:ext uri="{28A0092B-C50C-407E-A947-70E740481C1C}">
+                <a14:useLocalDpi xmlns:a14="http://schemas.microsoft.com/office/drawing/2010/main" val="0"/>
+              </a:ext>
+            </a:extLst>
+          </a:blip>
+          <a:srcRect l="19362" t="14498" r="18463" b="14127"/>
+          <a:stretch/>
+        </p:blipFill>
+        <p:spPr bwMode="auto">
+          <a:xfrm>
+            <a:off x="7752522" y="2800351"/>
+            <a:ext cx="3324639" cy="2862469"/>
+          </a:xfrm>
+          <a:prstGeom prst="rect">
+            <a:avLst/>
+          </a:prstGeom>
+          <a:noFill/>
+          <a:extLst>
+            <a:ext uri="{909E8E84-426E-40DD-AFC4-6F175D3DCCD1}">
+              <a14:hiddenFill xmlns:a14="http://schemas.microsoft.com/office/drawing/2010/main">
+                <a:solidFill>
+                  <a:srgbClr val="FFFFFF"/>
+                </a:solidFill>
+              </a14:hiddenFill>
+            </a:ext>
+          </a:extLst>
+        </p:spPr>
+      </p:pic>
+      <p:pic>
+        <p:nvPicPr>
           <p:cNvPr id="1026" name="Picture 2">
             <a:extLst>
               <a:ext uri="{FF2B5EF4-FFF2-40B4-BE49-F238E27FC236}">
@@ -3675,7 +4072,7 @@
     </p:spTree>
     <p:extLst>
       <p:ext uri="{BB962C8B-B14F-4D97-AF65-F5344CB8AC3E}">
-        <p14:creationId xmlns:p14="http://schemas.microsoft.com/office/powerpoint/2010/main" val="4219541186"/>
+        <p14:creationId xmlns:p14="http://schemas.microsoft.com/office/powerpoint/2010/main" val="1648479166"/>
       </p:ext>
     </p:extLst>
   </p:cSld>
